--- a/pmp/imgs/isa-pmp.pptx
+++ b/pmp/imgs/isa-pmp.pptx
@@ -7,6 +7,7 @@
   <p:sldIdLst>
     <p:sldId id="257" r:id="rId2"/>
     <p:sldId id="256" r:id="rId3"/>
+    <p:sldId id="258" r:id="rId4"/>
   </p:sldIdLst>
   <p:sldSz cx="12192000" cy="6858000"/>
   <p:notesSz cx="6858000" cy="9144000"/>
@@ -113,7 +114,7 @@
             <a:srgbClr val="A4A3A4"/>
           </p15:clr>
         </p15:guide>
-        <p15:guide id="2" pos="3613" userDrawn="1">
+        <p15:guide id="2" pos="3568" userDrawn="1">
           <p15:clr>
             <a:srgbClr val="A4A3A4"/>
           </p15:clr>
@@ -273,7 +274,7 @@
           <a:p>
             <a:fld id="{6B44D93F-CA0C-0346-842C-A07F0A95BD5B}" type="datetimeFigureOut">
               <a:rPr kumimoji="1" lang="ko-Kore-KR" altLang="en-US" smtClean="0"/>
-              <a:t>2021. 12. 8.</a:t>
+              <a:t>2021. 12. 10.</a:t>
             </a:fld>
             <a:endParaRPr kumimoji="1" lang="ko-Kore-KR" altLang="en-US"/>
           </a:p>
@@ -473,7 +474,7 @@
           <a:p>
             <a:fld id="{6B44D93F-CA0C-0346-842C-A07F0A95BD5B}" type="datetimeFigureOut">
               <a:rPr kumimoji="1" lang="ko-Kore-KR" altLang="en-US" smtClean="0"/>
-              <a:t>2021. 12. 8.</a:t>
+              <a:t>2021. 12. 10.</a:t>
             </a:fld>
             <a:endParaRPr kumimoji="1" lang="ko-Kore-KR" altLang="en-US"/>
           </a:p>
@@ -683,7 +684,7 @@
           <a:p>
             <a:fld id="{6B44D93F-CA0C-0346-842C-A07F0A95BD5B}" type="datetimeFigureOut">
               <a:rPr kumimoji="1" lang="ko-Kore-KR" altLang="en-US" smtClean="0"/>
-              <a:t>2021. 12. 8.</a:t>
+              <a:t>2021. 12. 10.</a:t>
             </a:fld>
             <a:endParaRPr kumimoji="1" lang="ko-Kore-KR" altLang="en-US"/>
           </a:p>
@@ -883,7 +884,7 @@
           <a:p>
             <a:fld id="{6B44D93F-CA0C-0346-842C-A07F0A95BD5B}" type="datetimeFigureOut">
               <a:rPr kumimoji="1" lang="ko-Kore-KR" altLang="en-US" smtClean="0"/>
-              <a:t>2021. 12. 8.</a:t>
+              <a:t>2021. 12. 10.</a:t>
             </a:fld>
             <a:endParaRPr kumimoji="1" lang="ko-Kore-KR" altLang="en-US"/>
           </a:p>
@@ -1159,7 +1160,7 @@
           <a:p>
             <a:fld id="{6B44D93F-CA0C-0346-842C-A07F0A95BD5B}" type="datetimeFigureOut">
               <a:rPr kumimoji="1" lang="ko-Kore-KR" altLang="en-US" smtClean="0"/>
-              <a:t>2021. 12. 8.</a:t>
+              <a:t>2021. 12. 10.</a:t>
             </a:fld>
             <a:endParaRPr kumimoji="1" lang="ko-Kore-KR" altLang="en-US"/>
           </a:p>
@@ -1427,7 +1428,7 @@
           <a:p>
             <a:fld id="{6B44D93F-CA0C-0346-842C-A07F0A95BD5B}" type="datetimeFigureOut">
               <a:rPr kumimoji="1" lang="ko-Kore-KR" altLang="en-US" smtClean="0"/>
-              <a:t>2021. 12. 8.</a:t>
+              <a:t>2021. 12. 10.</a:t>
             </a:fld>
             <a:endParaRPr kumimoji="1" lang="ko-Kore-KR" altLang="en-US"/>
           </a:p>
@@ -1842,7 +1843,7 @@
           <a:p>
             <a:fld id="{6B44D93F-CA0C-0346-842C-A07F0A95BD5B}" type="datetimeFigureOut">
               <a:rPr kumimoji="1" lang="ko-Kore-KR" altLang="en-US" smtClean="0"/>
-              <a:t>2021. 12. 8.</a:t>
+              <a:t>2021. 12. 10.</a:t>
             </a:fld>
             <a:endParaRPr kumimoji="1" lang="ko-Kore-KR" altLang="en-US"/>
           </a:p>
@@ -1984,7 +1985,7 @@
           <a:p>
             <a:fld id="{6B44D93F-CA0C-0346-842C-A07F0A95BD5B}" type="datetimeFigureOut">
               <a:rPr kumimoji="1" lang="ko-Kore-KR" altLang="en-US" smtClean="0"/>
-              <a:t>2021. 12. 8.</a:t>
+              <a:t>2021. 12. 10.</a:t>
             </a:fld>
             <a:endParaRPr kumimoji="1" lang="ko-Kore-KR" altLang="en-US"/>
           </a:p>
@@ -2097,7 +2098,7 @@
           <a:p>
             <a:fld id="{6B44D93F-CA0C-0346-842C-A07F0A95BD5B}" type="datetimeFigureOut">
               <a:rPr kumimoji="1" lang="ko-Kore-KR" altLang="en-US" smtClean="0"/>
-              <a:t>2021. 12. 8.</a:t>
+              <a:t>2021. 12. 10.</a:t>
             </a:fld>
             <a:endParaRPr kumimoji="1" lang="ko-Kore-KR" altLang="en-US"/>
           </a:p>
@@ -2410,7 +2411,7 @@
           <a:p>
             <a:fld id="{6B44D93F-CA0C-0346-842C-A07F0A95BD5B}" type="datetimeFigureOut">
               <a:rPr kumimoji="1" lang="ko-Kore-KR" altLang="en-US" smtClean="0"/>
-              <a:t>2021. 12. 8.</a:t>
+              <a:t>2021. 12. 10.</a:t>
             </a:fld>
             <a:endParaRPr kumimoji="1" lang="ko-Kore-KR" altLang="en-US"/>
           </a:p>
@@ -2699,7 +2700,7 @@
           <a:p>
             <a:fld id="{6B44D93F-CA0C-0346-842C-A07F0A95BD5B}" type="datetimeFigureOut">
               <a:rPr kumimoji="1" lang="ko-Kore-KR" altLang="en-US" smtClean="0"/>
-              <a:t>2021. 12. 8.</a:t>
+              <a:t>2021. 12. 10.</a:t>
             </a:fld>
             <a:endParaRPr kumimoji="1" lang="ko-Kore-KR" altLang="en-US"/>
           </a:p>
@@ -2942,7 +2943,7 @@
           <a:p>
             <a:fld id="{6B44D93F-CA0C-0346-842C-A07F0A95BD5B}" type="datetimeFigureOut">
               <a:rPr kumimoji="1" lang="ko-Kore-KR" altLang="en-US" smtClean="0"/>
-              <a:t>2021. 12. 8.</a:t>
+              <a:t>2021. 12. 10.</a:t>
             </a:fld>
             <a:endParaRPr kumimoji="1" lang="ko-Kore-KR" altLang="en-US"/>
           </a:p>
@@ -7133,6 +7134,1029 @@
 </p:sld>
 </file>
 
+<file path=ppt/slides/slide3.xml><?xml version="1.0" encoding="utf-8"?>
+<p:sld xmlns:a="http://schemas.openxmlformats.org/drawingml/2006/main" xmlns:r="http://schemas.openxmlformats.org/officeDocument/2006/relationships" xmlns:p="http://schemas.openxmlformats.org/presentationml/2006/main">
+  <p:cSld>
+    <p:spTree>
+      <p:nvGrpSpPr>
+        <p:cNvPr id="1" name=""/>
+        <p:cNvGrpSpPr/>
+        <p:nvPr/>
+      </p:nvGrpSpPr>
+      <p:grpSpPr>
+        <a:xfrm>
+          <a:off x="0" y="0"/>
+          <a:ext cx="0" cy="0"/>
+          <a:chOff x="0" y="0"/>
+          <a:chExt cx="0" cy="0"/>
+        </a:xfrm>
+      </p:grpSpPr>
+      <p:grpSp>
+        <p:nvGrpSpPr>
+          <p:cNvPr id="9" name="그룹 8">
+            <a:extLst>
+              <a:ext uri="{FF2B5EF4-FFF2-40B4-BE49-F238E27FC236}">
+                <a16:creationId xmlns:a16="http://schemas.microsoft.com/office/drawing/2014/main" id="{0BFCA85E-5281-9642-B18F-0F0C9DB867E1}"/>
+              </a:ext>
+            </a:extLst>
+          </p:cNvPr>
+          <p:cNvGrpSpPr/>
+          <p:nvPr/>
+        </p:nvGrpSpPr>
+        <p:grpSpPr>
+          <a:xfrm>
+            <a:off x="1703512" y="980728"/>
+            <a:ext cx="7992888" cy="4608165"/>
+            <a:chOff x="1343472" y="1628800"/>
+            <a:chExt cx="3015952" cy="1656184"/>
+          </a:xfrm>
+        </p:grpSpPr>
+        <p:cxnSp>
+          <p:nvCxnSpPr>
+            <p:cNvPr id="5" name="직선 연결선[R] 4">
+              <a:extLst>
+                <a:ext uri="{FF2B5EF4-FFF2-40B4-BE49-F238E27FC236}">
+                  <a16:creationId xmlns:a16="http://schemas.microsoft.com/office/drawing/2014/main" id="{24D1C5D2-EA7A-1C4B-8C0E-F43F3B1D7744}"/>
+                </a:ext>
+              </a:extLst>
+            </p:cNvPr>
+            <p:cNvCxnSpPr/>
+            <p:nvPr/>
+          </p:nvCxnSpPr>
+          <p:spPr>
+            <a:xfrm>
+              <a:off x="1343472" y="1628800"/>
+              <a:ext cx="0" cy="1656184"/>
+            </a:xfrm>
+            <a:prstGeom prst="line">
+              <a:avLst/>
+            </a:prstGeom>
+            <a:ln w="25400"/>
+          </p:spPr>
+          <p:style>
+            <a:lnRef idx="1">
+              <a:schemeClr val="dk1"/>
+            </a:lnRef>
+            <a:fillRef idx="0">
+              <a:schemeClr val="dk1"/>
+            </a:fillRef>
+            <a:effectRef idx="0">
+              <a:schemeClr val="dk1"/>
+            </a:effectRef>
+            <a:fontRef idx="minor">
+              <a:schemeClr val="tx1"/>
+            </a:fontRef>
+          </p:style>
+        </p:cxnSp>
+        <p:cxnSp>
+          <p:nvCxnSpPr>
+            <p:cNvPr id="6" name="직선 연결선[R] 5">
+              <a:extLst>
+                <a:ext uri="{FF2B5EF4-FFF2-40B4-BE49-F238E27FC236}">
+                  <a16:creationId xmlns:a16="http://schemas.microsoft.com/office/drawing/2014/main" id="{0C1AC05D-49A8-D241-B98E-FD598CFF81CB}"/>
+                </a:ext>
+              </a:extLst>
+            </p:cNvPr>
+            <p:cNvCxnSpPr>
+              <a:cxnSpLocks/>
+            </p:cNvCxnSpPr>
+            <p:nvPr/>
+          </p:nvCxnSpPr>
+          <p:spPr>
+            <a:xfrm flipH="1">
+              <a:off x="1343472" y="3284984"/>
+              <a:ext cx="3015952" cy="0"/>
+            </a:xfrm>
+            <a:prstGeom prst="line">
+              <a:avLst/>
+            </a:prstGeom>
+            <a:ln w="25400"/>
+          </p:spPr>
+          <p:style>
+            <a:lnRef idx="1">
+              <a:schemeClr val="dk1"/>
+            </a:lnRef>
+            <a:fillRef idx="0">
+              <a:schemeClr val="dk1"/>
+            </a:fillRef>
+            <a:effectRef idx="0">
+              <a:schemeClr val="dk1"/>
+            </a:effectRef>
+            <a:fontRef idx="minor">
+              <a:schemeClr val="tx1"/>
+            </a:fontRef>
+          </p:style>
+        </p:cxnSp>
+      </p:grpSp>
+      <p:cxnSp>
+        <p:nvCxnSpPr>
+          <p:cNvPr id="11" name="직선 연결선[R] 10">
+            <a:extLst>
+              <a:ext uri="{FF2B5EF4-FFF2-40B4-BE49-F238E27FC236}">
+                <a16:creationId xmlns:a16="http://schemas.microsoft.com/office/drawing/2014/main" id="{16E89CD7-88A2-9B44-BC88-EEC32BA90BBD}"/>
+              </a:ext>
+            </a:extLst>
+          </p:cNvPr>
+          <p:cNvCxnSpPr/>
+          <p:nvPr/>
+        </p:nvCxnSpPr>
+        <p:spPr>
+          <a:xfrm>
+            <a:off x="1524400" y="3429000"/>
+            <a:ext cx="8172000" cy="0"/>
+          </a:xfrm>
+          <a:prstGeom prst="line">
+            <a:avLst/>
+          </a:prstGeom>
+          <a:ln w="12700">
+            <a:solidFill>
+              <a:schemeClr val="tx1"/>
+            </a:solidFill>
+          </a:ln>
+        </p:spPr>
+        <p:style>
+          <a:lnRef idx="1">
+            <a:schemeClr val="accent1"/>
+          </a:lnRef>
+          <a:fillRef idx="0">
+            <a:schemeClr val="accent1"/>
+          </a:fillRef>
+          <a:effectRef idx="0">
+            <a:schemeClr val="accent1"/>
+          </a:effectRef>
+          <a:fontRef idx="minor">
+            <a:schemeClr val="tx1"/>
+          </a:fontRef>
+        </p:style>
+      </p:cxnSp>
+      <p:cxnSp>
+        <p:nvCxnSpPr>
+          <p:cNvPr id="12" name="직선 연결선[R] 11">
+            <a:extLst>
+              <a:ext uri="{FF2B5EF4-FFF2-40B4-BE49-F238E27FC236}">
+                <a16:creationId xmlns:a16="http://schemas.microsoft.com/office/drawing/2014/main" id="{52FE382D-582F-F743-A105-927315E1C85C}"/>
+              </a:ext>
+            </a:extLst>
+          </p:cNvPr>
+          <p:cNvCxnSpPr/>
+          <p:nvPr/>
+        </p:nvCxnSpPr>
+        <p:spPr>
+          <a:xfrm>
+            <a:off x="1524400" y="3861048"/>
+            <a:ext cx="8172000" cy="0"/>
+          </a:xfrm>
+          <a:prstGeom prst="line">
+            <a:avLst/>
+          </a:prstGeom>
+          <a:ln w="12700">
+            <a:solidFill>
+              <a:schemeClr val="accent2"/>
+            </a:solidFill>
+          </a:ln>
+        </p:spPr>
+        <p:style>
+          <a:lnRef idx="1">
+            <a:schemeClr val="accent1"/>
+          </a:lnRef>
+          <a:fillRef idx="0">
+            <a:schemeClr val="accent1"/>
+          </a:fillRef>
+          <a:effectRef idx="0">
+            <a:schemeClr val="accent1"/>
+          </a:effectRef>
+          <a:fontRef idx="minor">
+            <a:schemeClr val="tx1"/>
+          </a:fontRef>
+        </p:style>
+      </p:cxnSp>
+      <p:cxnSp>
+        <p:nvCxnSpPr>
+          <p:cNvPr id="13" name="직선 연결선[R] 12">
+            <a:extLst>
+              <a:ext uri="{FF2B5EF4-FFF2-40B4-BE49-F238E27FC236}">
+                <a16:creationId xmlns:a16="http://schemas.microsoft.com/office/drawing/2014/main" id="{DAE73754-DEB8-A948-AD18-BFE292CB8E55}"/>
+              </a:ext>
+            </a:extLst>
+          </p:cNvPr>
+          <p:cNvCxnSpPr/>
+          <p:nvPr/>
+        </p:nvCxnSpPr>
+        <p:spPr>
+          <a:xfrm>
+            <a:off x="1524400" y="4293096"/>
+            <a:ext cx="8172000" cy="0"/>
+          </a:xfrm>
+          <a:prstGeom prst="line">
+            <a:avLst/>
+          </a:prstGeom>
+          <a:ln w="12700">
+            <a:solidFill>
+              <a:schemeClr val="accent1">
+                <a:lumMod val="75000"/>
+              </a:schemeClr>
+            </a:solidFill>
+          </a:ln>
+        </p:spPr>
+        <p:style>
+          <a:lnRef idx="1">
+            <a:schemeClr val="accent1"/>
+          </a:lnRef>
+          <a:fillRef idx="0">
+            <a:schemeClr val="accent1"/>
+          </a:fillRef>
+          <a:effectRef idx="0">
+            <a:schemeClr val="accent1"/>
+          </a:effectRef>
+          <a:fontRef idx="minor">
+            <a:schemeClr val="tx1"/>
+          </a:fontRef>
+        </p:style>
+      </p:cxnSp>
+      <p:cxnSp>
+        <p:nvCxnSpPr>
+          <p:cNvPr id="14" name="직선 연결선[R] 13">
+            <a:extLst>
+              <a:ext uri="{FF2B5EF4-FFF2-40B4-BE49-F238E27FC236}">
+                <a16:creationId xmlns:a16="http://schemas.microsoft.com/office/drawing/2014/main" id="{8D1CCF84-484B-1346-8E96-18387540A206}"/>
+              </a:ext>
+            </a:extLst>
+          </p:cNvPr>
+          <p:cNvCxnSpPr>
+            <a:cxnSpLocks/>
+          </p:cNvCxnSpPr>
+          <p:nvPr/>
+        </p:nvCxnSpPr>
+        <p:spPr>
+          <a:xfrm flipH="1">
+            <a:off x="3863750" y="3429000"/>
+            <a:ext cx="2" cy="2232248"/>
+          </a:xfrm>
+          <a:prstGeom prst="line">
+            <a:avLst/>
+          </a:prstGeom>
+          <a:ln w="12700">
+            <a:headEnd type="none"/>
+            <a:tailEnd type="none"/>
+          </a:ln>
+        </p:spPr>
+        <p:style>
+          <a:lnRef idx="1">
+            <a:schemeClr val="accent1"/>
+          </a:lnRef>
+          <a:fillRef idx="0">
+            <a:schemeClr val="accent1"/>
+          </a:fillRef>
+          <a:effectRef idx="0">
+            <a:schemeClr val="accent1"/>
+          </a:effectRef>
+          <a:fontRef idx="minor">
+            <a:schemeClr val="tx1"/>
+          </a:fontRef>
+        </p:style>
+      </p:cxnSp>
+      <p:cxnSp>
+        <p:nvCxnSpPr>
+          <p:cNvPr id="18" name="직선 연결선[R] 17">
+            <a:extLst>
+              <a:ext uri="{FF2B5EF4-FFF2-40B4-BE49-F238E27FC236}">
+                <a16:creationId xmlns:a16="http://schemas.microsoft.com/office/drawing/2014/main" id="{2A5C622F-EE33-9344-B032-D3599AF8FDA7}"/>
+              </a:ext>
+            </a:extLst>
+          </p:cNvPr>
+          <p:cNvCxnSpPr>
+            <a:cxnSpLocks/>
+          </p:cNvCxnSpPr>
+          <p:nvPr/>
+        </p:nvCxnSpPr>
+        <p:spPr>
+          <a:xfrm flipH="1">
+            <a:off x="1703512" y="260649"/>
+            <a:ext cx="6696744" cy="5328244"/>
+          </a:xfrm>
+          <a:prstGeom prst="line">
+            <a:avLst/>
+          </a:prstGeom>
+          <a:ln w="15875">
+            <a:solidFill>
+              <a:schemeClr val="accent2"/>
+            </a:solidFill>
+          </a:ln>
+        </p:spPr>
+        <p:style>
+          <a:lnRef idx="1">
+            <a:schemeClr val="accent1"/>
+          </a:lnRef>
+          <a:fillRef idx="0">
+            <a:schemeClr val="accent1"/>
+          </a:fillRef>
+          <a:effectRef idx="0">
+            <a:schemeClr val="accent1"/>
+          </a:effectRef>
+          <a:fontRef idx="minor">
+            <a:schemeClr val="tx1"/>
+          </a:fontRef>
+        </p:style>
+      </p:cxnSp>
+      <p:cxnSp>
+        <p:nvCxnSpPr>
+          <p:cNvPr id="21" name="직선 연결선[R] 20">
+            <a:extLst>
+              <a:ext uri="{FF2B5EF4-FFF2-40B4-BE49-F238E27FC236}">
+                <a16:creationId xmlns:a16="http://schemas.microsoft.com/office/drawing/2014/main" id="{03E8311F-28E2-3A4B-BCD3-4D0AAE453C04}"/>
+              </a:ext>
+            </a:extLst>
+          </p:cNvPr>
+          <p:cNvCxnSpPr>
+            <a:cxnSpLocks/>
+          </p:cNvCxnSpPr>
+          <p:nvPr/>
+        </p:nvCxnSpPr>
+        <p:spPr>
+          <a:xfrm flipH="1">
+            <a:off x="1703510" y="1340768"/>
+            <a:ext cx="4320481" cy="4248125"/>
+          </a:xfrm>
+          <a:prstGeom prst="line">
+            <a:avLst/>
+          </a:prstGeom>
+          <a:ln w="15875">
+            <a:solidFill>
+              <a:schemeClr val="tx1"/>
+            </a:solidFill>
+          </a:ln>
+        </p:spPr>
+        <p:style>
+          <a:lnRef idx="1">
+            <a:schemeClr val="accent1"/>
+          </a:lnRef>
+          <a:fillRef idx="0">
+            <a:schemeClr val="accent1"/>
+          </a:fillRef>
+          <a:effectRef idx="0">
+            <a:schemeClr val="accent1"/>
+          </a:effectRef>
+          <a:fontRef idx="minor">
+            <a:schemeClr val="tx1"/>
+          </a:fontRef>
+        </p:style>
+      </p:cxnSp>
+      <p:cxnSp>
+        <p:nvCxnSpPr>
+          <p:cNvPr id="24" name="직선 연결선[R] 23">
+            <a:extLst>
+              <a:ext uri="{FF2B5EF4-FFF2-40B4-BE49-F238E27FC236}">
+                <a16:creationId xmlns:a16="http://schemas.microsoft.com/office/drawing/2014/main" id="{EF61B6B5-AF05-6F4A-9CA5-2E8628134D5D}"/>
+              </a:ext>
+            </a:extLst>
+          </p:cNvPr>
+          <p:cNvCxnSpPr>
+            <a:cxnSpLocks/>
+          </p:cNvCxnSpPr>
+          <p:nvPr/>
+        </p:nvCxnSpPr>
+        <p:spPr>
+          <a:xfrm flipH="1">
+            <a:off x="1703510" y="4293095"/>
+            <a:ext cx="2160242" cy="1295798"/>
+          </a:xfrm>
+          <a:prstGeom prst="line">
+            <a:avLst/>
+          </a:prstGeom>
+          <a:ln w="15875">
+            <a:solidFill>
+              <a:schemeClr val="accent1">
+                <a:lumMod val="75000"/>
+              </a:schemeClr>
+            </a:solidFill>
+          </a:ln>
+        </p:spPr>
+        <p:style>
+          <a:lnRef idx="1">
+            <a:schemeClr val="accent1"/>
+          </a:lnRef>
+          <a:fillRef idx="0">
+            <a:schemeClr val="accent1"/>
+          </a:fillRef>
+          <a:effectRef idx="0">
+            <a:schemeClr val="accent1"/>
+          </a:effectRef>
+          <a:fontRef idx="minor">
+            <a:schemeClr val="tx1"/>
+          </a:fontRef>
+        </p:style>
+      </p:cxnSp>
+      <p:cxnSp>
+        <p:nvCxnSpPr>
+          <p:cNvPr id="31" name="직선 연결선[R] 30">
+            <a:extLst>
+              <a:ext uri="{FF2B5EF4-FFF2-40B4-BE49-F238E27FC236}">
+                <a16:creationId xmlns:a16="http://schemas.microsoft.com/office/drawing/2014/main" id="{E098C8E0-7B4C-FB4E-89FC-C6F945F56C67}"/>
+              </a:ext>
+            </a:extLst>
+          </p:cNvPr>
+          <p:cNvCxnSpPr>
+            <a:cxnSpLocks/>
+          </p:cNvCxnSpPr>
+          <p:nvPr/>
+        </p:nvCxnSpPr>
+        <p:spPr>
+          <a:xfrm>
+            <a:off x="6023992" y="1340768"/>
+            <a:ext cx="0" cy="4248125"/>
+          </a:xfrm>
+          <a:prstGeom prst="line">
+            <a:avLst/>
+          </a:prstGeom>
+          <a:ln w="12700">
+            <a:solidFill>
+              <a:schemeClr val="tx1"/>
+            </a:solidFill>
+            <a:headEnd type="triangle"/>
+            <a:tailEnd type="oval"/>
+          </a:ln>
+        </p:spPr>
+        <p:style>
+          <a:lnRef idx="1">
+            <a:schemeClr val="accent1"/>
+          </a:lnRef>
+          <a:fillRef idx="0">
+            <a:schemeClr val="accent1"/>
+          </a:fillRef>
+          <a:effectRef idx="0">
+            <a:schemeClr val="accent1"/>
+          </a:effectRef>
+          <a:fontRef idx="minor">
+            <a:schemeClr val="tx1"/>
+          </a:fontRef>
+        </p:style>
+      </p:cxnSp>
+      <p:cxnSp>
+        <p:nvCxnSpPr>
+          <p:cNvPr id="34" name="직선 연결선[R] 33">
+            <a:extLst>
+              <a:ext uri="{FF2B5EF4-FFF2-40B4-BE49-F238E27FC236}">
+                <a16:creationId xmlns:a16="http://schemas.microsoft.com/office/drawing/2014/main" id="{63FB5ACD-A610-9943-ACBD-1DCC2A099239}"/>
+              </a:ext>
+            </a:extLst>
+          </p:cNvPr>
+          <p:cNvCxnSpPr/>
+          <p:nvPr/>
+        </p:nvCxnSpPr>
+        <p:spPr>
+          <a:xfrm>
+            <a:off x="1524400" y="1340768"/>
+            <a:ext cx="8172000" cy="0"/>
+          </a:xfrm>
+          <a:prstGeom prst="line">
+            <a:avLst/>
+          </a:prstGeom>
+        </p:spPr>
+        <p:style>
+          <a:lnRef idx="1">
+            <a:schemeClr val="accent1"/>
+          </a:lnRef>
+          <a:fillRef idx="0">
+            <a:schemeClr val="accent1"/>
+          </a:fillRef>
+          <a:effectRef idx="0">
+            <a:schemeClr val="accent1"/>
+          </a:effectRef>
+          <a:fontRef idx="minor">
+            <a:schemeClr val="tx1"/>
+          </a:fontRef>
+        </p:style>
+      </p:cxnSp>
+      <p:cxnSp>
+        <p:nvCxnSpPr>
+          <p:cNvPr id="49" name="직선 연결선[R] 48">
+            <a:extLst>
+              <a:ext uri="{FF2B5EF4-FFF2-40B4-BE49-F238E27FC236}">
+                <a16:creationId xmlns:a16="http://schemas.microsoft.com/office/drawing/2014/main" id="{961777C5-028E-7644-A16A-B4401A047DC8}"/>
+              </a:ext>
+            </a:extLst>
+          </p:cNvPr>
+          <p:cNvCxnSpPr>
+            <a:cxnSpLocks/>
+          </p:cNvCxnSpPr>
+          <p:nvPr/>
+        </p:nvCxnSpPr>
+        <p:spPr>
+          <a:xfrm flipH="1">
+            <a:off x="7032104" y="1340768"/>
+            <a:ext cx="1008112" cy="0"/>
+          </a:xfrm>
+          <a:prstGeom prst="line">
+            <a:avLst/>
+          </a:prstGeom>
+          <a:ln w="25400">
+            <a:solidFill>
+              <a:schemeClr val="accent2"/>
+            </a:solidFill>
+            <a:headEnd type="triangle"/>
+            <a:tailEnd type="triangle"/>
+          </a:ln>
+        </p:spPr>
+        <p:style>
+          <a:lnRef idx="1">
+            <a:schemeClr val="accent1"/>
+          </a:lnRef>
+          <a:fillRef idx="0">
+            <a:schemeClr val="accent1"/>
+          </a:fillRef>
+          <a:effectRef idx="0">
+            <a:schemeClr val="accent1"/>
+          </a:effectRef>
+          <a:fontRef idx="minor">
+            <a:schemeClr val="tx1"/>
+          </a:fontRef>
+        </p:style>
+      </p:cxnSp>
+      <p:cxnSp>
+        <p:nvCxnSpPr>
+          <p:cNvPr id="52" name="직선 연결선[R] 51">
+            <a:extLst>
+              <a:ext uri="{FF2B5EF4-FFF2-40B4-BE49-F238E27FC236}">
+                <a16:creationId xmlns:a16="http://schemas.microsoft.com/office/drawing/2014/main" id="{4EA913E3-FBC5-824D-91FB-071A93B279AE}"/>
+              </a:ext>
+            </a:extLst>
+          </p:cNvPr>
+          <p:cNvCxnSpPr>
+            <a:cxnSpLocks/>
+          </p:cNvCxnSpPr>
+          <p:nvPr/>
+        </p:nvCxnSpPr>
+        <p:spPr>
+          <a:xfrm>
+            <a:off x="8040216" y="548680"/>
+            <a:ext cx="0" cy="5040213"/>
+          </a:xfrm>
+          <a:prstGeom prst="line">
+            <a:avLst/>
+          </a:prstGeom>
+          <a:ln w="12700">
+            <a:solidFill>
+              <a:schemeClr val="accent2"/>
+            </a:solidFill>
+            <a:headEnd type="triangle"/>
+            <a:tailEnd type="oval"/>
+          </a:ln>
+        </p:spPr>
+        <p:style>
+          <a:lnRef idx="1">
+            <a:schemeClr val="accent1"/>
+          </a:lnRef>
+          <a:fillRef idx="0">
+            <a:schemeClr val="accent1"/>
+          </a:fillRef>
+          <a:effectRef idx="0">
+            <a:schemeClr val="accent1"/>
+          </a:effectRef>
+          <a:fontRef idx="minor">
+            <a:schemeClr val="tx1"/>
+          </a:fontRef>
+        </p:style>
+      </p:cxnSp>
+      <p:cxnSp>
+        <p:nvCxnSpPr>
+          <p:cNvPr id="53" name="직선 연결선[R] 52">
+            <a:extLst>
+              <a:ext uri="{FF2B5EF4-FFF2-40B4-BE49-F238E27FC236}">
+                <a16:creationId xmlns:a16="http://schemas.microsoft.com/office/drawing/2014/main" id="{9EF24A73-A95C-9744-84E3-B8354264D15E}"/>
+              </a:ext>
+            </a:extLst>
+          </p:cNvPr>
+          <p:cNvCxnSpPr>
+            <a:cxnSpLocks/>
+          </p:cNvCxnSpPr>
+          <p:nvPr/>
+        </p:nvCxnSpPr>
+        <p:spPr>
+          <a:xfrm flipH="1">
+            <a:off x="6023992" y="1340768"/>
+            <a:ext cx="1008112" cy="0"/>
+          </a:xfrm>
+          <a:prstGeom prst="line">
+            <a:avLst/>
+          </a:prstGeom>
+          <a:ln w="25400">
+            <a:solidFill>
+              <a:schemeClr val="accent2"/>
+            </a:solidFill>
+            <a:headEnd type="triangle"/>
+            <a:tailEnd type="triangle"/>
+          </a:ln>
+        </p:spPr>
+        <p:style>
+          <a:lnRef idx="1">
+            <a:schemeClr val="accent1"/>
+          </a:lnRef>
+          <a:fillRef idx="0">
+            <a:schemeClr val="accent1"/>
+          </a:fillRef>
+          <a:effectRef idx="0">
+            <a:schemeClr val="accent1"/>
+          </a:effectRef>
+          <a:fontRef idx="minor">
+            <a:schemeClr val="tx1"/>
+          </a:fontRef>
+        </p:style>
+      </p:cxnSp>
+      <p:sp>
+        <p:nvSpPr>
+          <p:cNvPr id="68" name="TextBox 67">
+            <a:extLst>
+              <a:ext uri="{FF2B5EF4-FFF2-40B4-BE49-F238E27FC236}">
+                <a16:creationId xmlns:a16="http://schemas.microsoft.com/office/drawing/2014/main" id="{D493B07B-B63A-7D4D-8C44-5FCFE56BCF63}"/>
+              </a:ext>
+            </a:extLst>
+          </p:cNvPr>
+          <p:cNvSpPr txBox="1"/>
+          <p:nvPr/>
+        </p:nvSpPr>
+        <p:spPr>
+          <a:xfrm>
+            <a:off x="1271496" y="3284984"/>
+            <a:ext cx="288000" cy="288000"/>
+          </a:xfrm>
+          <a:prstGeom prst="rect">
+            <a:avLst/>
+          </a:prstGeom>
+          <a:noFill/>
+        </p:spPr>
+        <p:txBody>
+          <a:bodyPr wrap="none" lIns="72000" tIns="36000" rIns="72000" bIns="36000" rtlCol="0">
+            <a:spAutoFit/>
+          </a:bodyPr>
+          <a:lstStyle/>
+          <a:p>
+            <a:r>
+              <a:rPr kumimoji="1" lang="en-US" altLang="ko-Kore-KR" sz="1200" dirty="0"/>
+              <a:t>PV</a:t>
+            </a:r>
+            <a:endParaRPr kumimoji="1" lang="ko-Kore-KR" altLang="en-US" sz="1200" dirty="0"/>
+          </a:p>
+        </p:txBody>
+      </p:sp>
+      <p:sp>
+        <p:nvSpPr>
+          <p:cNvPr id="69" name="TextBox 68">
+            <a:extLst>
+              <a:ext uri="{FF2B5EF4-FFF2-40B4-BE49-F238E27FC236}">
+                <a16:creationId xmlns:a16="http://schemas.microsoft.com/office/drawing/2014/main" id="{5919D645-81D8-594E-A66D-BD24768A6DBA}"/>
+              </a:ext>
+            </a:extLst>
+          </p:cNvPr>
+          <p:cNvSpPr txBox="1"/>
+          <p:nvPr/>
+        </p:nvSpPr>
+        <p:spPr>
+          <a:xfrm>
+            <a:off x="1271496" y="3717032"/>
+            <a:ext cx="315774" cy="257369"/>
+          </a:xfrm>
+          <a:prstGeom prst="rect">
+            <a:avLst/>
+          </a:prstGeom>
+          <a:noFill/>
+        </p:spPr>
+        <p:txBody>
+          <a:bodyPr wrap="none" lIns="72000" tIns="36000" rIns="72000" bIns="36000" rtlCol="0">
+            <a:spAutoFit/>
+          </a:bodyPr>
+          <a:lstStyle/>
+          <a:p>
+            <a:r>
+              <a:rPr kumimoji="1" lang="en-US" altLang="ko-Kore-KR" sz="1200" dirty="0">
+                <a:solidFill>
+                  <a:schemeClr val="accent2"/>
+                </a:solidFill>
+              </a:rPr>
+              <a:t>AC</a:t>
+            </a:r>
+            <a:endParaRPr kumimoji="1" lang="ko-Kore-KR" altLang="en-US" sz="1200" dirty="0">
+              <a:solidFill>
+                <a:schemeClr val="accent2"/>
+              </a:solidFill>
+            </a:endParaRPr>
+          </a:p>
+        </p:txBody>
+      </p:sp>
+      <p:sp>
+        <p:nvSpPr>
+          <p:cNvPr id="70" name="TextBox 69">
+            <a:extLst>
+              <a:ext uri="{FF2B5EF4-FFF2-40B4-BE49-F238E27FC236}">
+                <a16:creationId xmlns:a16="http://schemas.microsoft.com/office/drawing/2014/main" id="{8CC169C7-C6E8-5E40-902F-6AE4DC843ACF}"/>
+              </a:ext>
+            </a:extLst>
+          </p:cNvPr>
+          <p:cNvSpPr txBox="1"/>
+          <p:nvPr/>
+        </p:nvSpPr>
+        <p:spPr>
+          <a:xfrm>
+            <a:off x="1271496" y="4160113"/>
+            <a:ext cx="315068" cy="257369"/>
+          </a:xfrm>
+          <a:prstGeom prst="rect">
+            <a:avLst/>
+          </a:prstGeom>
+          <a:noFill/>
+        </p:spPr>
+        <p:txBody>
+          <a:bodyPr wrap="none" lIns="72000" tIns="36000" rIns="72000" bIns="36000" rtlCol="0">
+            <a:spAutoFit/>
+          </a:bodyPr>
+          <a:lstStyle/>
+          <a:p>
+            <a:r>
+              <a:rPr kumimoji="1" lang="en-US" altLang="ko-Kore-KR" sz="1200" dirty="0">
+                <a:solidFill>
+                  <a:schemeClr val="accent1">
+                    <a:lumMod val="75000"/>
+                  </a:schemeClr>
+                </a:solidFill>
+              </a:rPr>
+              <a:t>EV</a:t>
+            </a:r>
+            <a:endParaRPr kumimoji="1" lang="ko-Kore-KR" altLang="en-US" sz="1200" dirty="0">
+              <a:solidFill>
+                <a:schemeClr val="accent1">
+                  <a:lumMod val="75000"/>
+                </a:schemeClr>
+              </a:solidFill>
+            </a:endParaRPr>
+          </a:p>
+        </p:txBody>
+      </p:sp>
+      <p:sp>
+        <p:nvSpPr>
+          <p:cNvPr id="71" name="TextBox 70">
+            <a:extLst>
+              <a:ext uri="{FF2B5EF4-FFF2-40B4-BE49-F238E27FC236}">
+                <a16:creationId xmlns:a16="http://schemas.microsoft.com/office/drawing/2014/main" id="{FFEAC6FE-00A4-374A-B84B-8A1AA0353222}"/>
+              </a:ext>
+            </a:extLst>
+          </p:cNvPr>
+          <p:cNvSpPr txBox="1"/>
+          <p:nvPr/>
+        </p:nvSpPr>
+        <p:spPr>
+          <a:xfrm>
+            <a:off x="5591976" y="1196752"/>
+            <a:ext cx="397655" cy="257369"/>
+          </a:xfrm>
+          <a:prstGeom prst="rect">
+            <a:avLst/>
+          </a:prstGeom>
+          <a:noFill/>
+        </p:spPr>
+        <p:txBody>
+          <a:bodyPr wrap="none" lIns="72000" tIns="36000" rIns="72000" bIns="36000" rtlCol="0">
+            <a:spAutoFit/>
+          </a:bodyPr>
+          <a:lstStyle/>
+          <a:p>
+            <a:r>
+              <a:rPr kumimoji="1" lang="en-US" altLang="ko-Kore-KR" sz="1200" dirty="0"/>
+              <a:t>BAC</a:t>
+            </a:r>
+            <a:endParaRPr kumimoji="1" lang="ko-Kore-KR" altLang="en-US" sz="1200" dirty="0"/>
+          </a:p>
+        </p:txBody>
+      </p:sp>
+      <p:sp>
+        <p:nvSpPr>
+          <p:cNvPr id="72" name="TextBox 71">
+            <a:extLst>
+              <a:ext uri="{FF2B5EF4-FFF2-40B4-BE49-F238E27FC236}">
+                <a16:creationId xmlns:a16="http://schemas.microsoft.com/office/drawing/2014/main" id="{A77BC4E6-37A2-3F44-AE71-2BEAF14D37FC}"/>
+              </a:ext>
+            </a:extLst>
+          </p:cNvPr>
+          <p:cNvSpPr txBox="1"/>
+          <p:nvPr/>
+        </p:nvSpPr>
+        <p:spPr>
+          <a:xfrm>
+            <a:off x="8112224" y="435327"/>
+            <a:ext cx="389447" cy="257369"/>
+          </a:xfrm>
+          <a:prstGeom prst="rect">
+            <a:avLst/>
+          </a:prstGeom>
+          <a:noFill/>
+        </p:spPr>
+        <p:txBody>
+          <a:bodyPr wrap="none" lIns="72000" tIns="36000" rIns="72000" bIns="36000" rtlCol="0">
+            <a:spAutoFit/>
+          </a:bodyPr>
+          <a:lstStyle/>
+          <a:p>
+            <a:r>
+              <a:rPr kumimoji="1" lang="en-US" altLang="ko-Kore-KR" sz="1200" dirty="0" err="1"/>
+              <a:t>EAC</a:t>
+            </a:r>
+            <a:endParaRPr kumimoji="1" lang="ko-Kore-KR" altLang="en-US" sz="1200" dirty="0"/>
+          </a:p>
+        </p:txBody>
+      </p:sp>
+      <p:cxnSp>
+        <p:nvCxnSpPr>
+          <p:cNvPr id="73" name="직선 연결선[R] 72">
+            <a:extLst>
+              <a:ext uri="{FF2B5EF4-FFF2-40B4-BE49-F238E27FC236}">
+                <a16:creationId xmlns:a16="http://schemas.microsoft.com/office/drawing/2014/main" id="{5A4A4928-CCA6-8643-AED8-D5F2A9507E74}"/>
+              </a:ext>
+            </a:extLst>
+          </p:cNvPr>
+          <p:cNvCxnSpPr>
+            <a:cxnSpLocks/>
+          </p:cNvCxnSpPr>
+          <p:nvPr/>
+        </p:nvCxnSpPr>
+        <p:spPr>
+          <a:xfrm>
+            <a:off x="6168008" y="1340941"/>
+            <a:ext cx="0" cy="2947856"/>
+          </a:xfrm>
+          <a:prstGeom prst="line">
+            <a:avLst/>
+          </a:prstGeom>
+          <a:ln w="12700">
+            <a:solidFill>
+              <a:srgbClr val="FF0000"/>
+            </a:solidFill>
+            <a:headEnd type="triangle"/>
+            <a:tailEnd type="oval"/>
+          </a:ln>
+        </p:spPr>
+        <p:style>
+          <a:lnRef idx="1">
+            <a:schemeClr val="accent1"/>
+          </a:lnRef>
+          <a:fillRef idx="0">
+            <a:schemeClr val="accent1"/>
+          </a:fillRef>
+          <a:effectRef idx="0">
+            <a:schemeClr val="accent1"/>
+          </a:effectRef>
+          <a:fontRef idx="minor">
+            <a:schemeClr val="tx1"/>
+          </a:fontRef>
+        </p:style>
+      </p:cxnSp>
+      <p:sp>
+        <p:nvSpPr>
+          <p:cNvPr id="75" name="TextBox 74">
+            <a:extLst>
+              <a:ext uri="{FF2B5EF4-FFF2-40B4-BE49-F238E27FC236}">
+                <a16:creationId xmlns:a16="http://schemas.microsoft.com/office/drawing/2014/main" id="{D0D13ADE-3747-E64D-A3E9-A8480B44D868}"/>
+              </a:ext>
+            </a:extLst>
+          </p:cNvPr>
+          <p:cNvSpPr txBox="1"/>
+          <p:nvPr/>
+        </p:nvSpPr>
+        <p:spPr>
+          <a:xfrm>
+            <a:off x="6240016" y="2523559"/>
+            <a:ext cx="913309" cy="257369"/>
+          </a:xfrm>
+          <a:prstGeom prst="rect">
+            <a:avLst/>
+          </a:prstGeom>
+          <a:noFill/>
+        </p:spPr>
+        <p:txBody>
+          <a:bodyPr wrap="none" lIns="72000" tIns="36000" rIns="72000" bIns="36000" rtlCol="0">
+            <a:spAutoFit/>
+          </a:bodyPr>
+          <a:lstStyle/>
+          <a:p>
+            <a:r>
+              <a:rPr kumimoji="1" lang="en-US" altLang="ko-Kore-KR" sz="1200" dirty="0" err="1"/>
+              <a:t>ETC</a:t>
+            </a:r>
+            <a:r>
+              <a:rPr kumimoji="1" lang="en-US" altLang="ko-Kore-KR" sz="1200" dirty="0"/>
+              <a:t>:</a:t>
+            </a:r>
+            <a:r>
+              <a:rPr kumimoji="1" lang="ko-KR" altLang="en-US" sz="1200" dirty="0"/>
+              <a:t> </a:t>
+            </a:r>
+            <a:r>
+              <a:rPr kumimoji="1" lang="ko-KR" altLang="en-US" sz="1200" dirty="0" err="1"/>
+              <a:t>남은양</a:t>
+            </a:r>
+            <a:endParaRPr kumimoji="1" lang="ko-Kore-KR" altLang="en-US" sz="1200" dirty="0"/>
+          </a:p>
+        </p:txBody>
+      </p:sp>
+      <p:cxnSp>
+        <p:nvCxnSpPr>
+          <p:cNvPr id="77" name="직선 연결선[R] 76">
+            <a:extLst>
+              <a:ext uri="{FF2B5EF4-FFF2-40B4-BE49-F238E27FC236}">
+                <a16:creationId xmlns:a16="http://schemas.microsoft.com/office/drawing/2014/main" id="{676CF217-AA40-6341-861C-DCD934B3A224}"/>
+              </a:ext>
+            </a:extLst>
+          </p:cNvPr>
+          <p:cNvCxnSpPr>
+            <a:cxnSpLocks/>
+          </p:cNvCxnSpPr>
+          <p:nvPr/>
+        </p:nvCxnSpPr>
+        <p:spPr>
+          <a:xfrm>
+            <a:off x="8337961" y="3861047"/>
+            <a:ext cx="0" cy="1727846"/>
+          </a:xfrm>
+          <a:prstGeom prst="line">
+            <a:avLst/>
+          </a:prstGeom>
+          <a:ln w="12700">
+            <a:solidFill>
+              <a:schemeClr val="accent2"/>
+            </a:solidFill>
+            <a:headEnd type="triangle"/>
+            <a:tailEnd type="oval"/>
+          </a:ln>
+        </p:spPr>
+        <p:style>
+          <a:lnRef idx="1">
+            <a:schemeClr val="accent1"/>
+          </a:lnRef>
+          <a:fillRef idx="0">
+            <a:schemeClr val="accent1"/>
+          </a:fillRef>
+          <a:effectRef idx="0">
+            <a:schemeClr val="accent1"/>
+          </a:effectRef>
+          <a:fontRef idx="minor">
+            <a:schemeClr val="tx1"/>
+          </a:fontRef>
+        </p:style>
+      </p:cxnSp>
+      <p:sp>
+        <p:nvSpPr>
+          <p:cNvPr id="80" name="TextBox 79">
+            <a:extLst>
+              <a:ext uri="{FF2B5EF4-FFF2-40B4-BE49-F238E27FC236}">
+                <a16:creationId xmlns:a16="http://schemas.microsoft.com/office/drawing/2014/main" id="{3CD9647D-C928-5940-A5B8-87B9D474344F}"/>
+              </a:ext>
+            </a:extLst>
+          </p:cNvPr>
+          <p:cNvSpPr txBox="1"/>
+          <p:nvPr/>
+        </p:nvSpPr>
+        <p:spPr>
+          <a:xfrm>
+            <a:off x="8409969" y="4437112"/>
+            <a:ext cx="854383" cy="257369"/>
+          </a:xfrm>
+          <a:prstGeom prst="rect">
+            <a:avLst/>
+          </a:prstGeom>
+          <a:noFill/>
+        </p:spPr>
+        <p:txBody>
+          <a:bodyPr wrap="square" lIns="72000" tIns="36000" rIns="72000" bIns="36000" rtlCol="0">
+            <a:spAutoFit/>
+          </a:bodyPr>
+          <a:lstStyle/>
+          <a:p>
+            <a:r>
+              <a:rPr kumimoji="1" lang="en-US" altLang="ko-Kore-KR" sz="1200" dirty="0">
+                <a:solidFill>
+                  <a:schemeClr val="accent2"/>
+                </a:solidFill>
+              </a:rPr>
+              <a:t>AC</a:t>
+            </a:r>
+            <a:endParaRPr kumimoji="1" lang="ko-Kore-KR" altLang="en-US" sz="1200" dirty="0">
+              <a:solidFill>
+                <a:schemeClr val="accent2"/>
+              </a:solidFill>
+            </a:endParaRPr>
+          </a:p>
+        </p:txBody>
+      </p:sp>
+    </p:spTree>
+    <p:extLst>
+      <p:ext uri="{BB962C8B-B14F-4D97-AF65-F5344CB8AC3E}">
+        <p14:creationId xmlns:p14="http://schemas.microsoft.com/office/powerpoint/2010/main" val="3259628036"/>
+      </p:ext>
+    </p:extLst>
+  </p:cSld>
+  <p:clrMapOvr>
+    <a:masterClrMapping/>
+  </p:clrMapOvr>
+</p:sld>
+</file>
+
 <file path=ppt/theme/theme1.xml><?xml version="1.0" encoding="utf-8"?>
 <a:theme xmlns:a="http://schemas.openxmlformats.org/drawingml/2006/main" name="Office 테마">
   <a:themeElements>
